--- a/docs/diagrams/Diagrams.pptx
+++ b/docs/diagrams/Diagrams.pptx
@@ -215,7 +215,7 @@
           <a:p>
             <a:fld id="{F5CC4B3F-88C1-4FFA-B1B6-F41C21DC6924}" type="datetimeFigureOut">
               <a:rPr lang="en-US" smtClean="0"/>
-              <a:t>10/27/16</a:t>
+              <a:t>11/6/16</a:t>
             </a:fld>
             <a:endParaRPr lang="en-US"/>
           </a:p>
@@ -752,7 +752,7 @@
           <a:p>
             <a:fld id="{78C97017-6FC3-485B-9764-EAC9E56C1D49}" type="datetimeFigureOut">
               <a:rPr lang="en-US" smtClean="0"/>
-              <a:t>10/27/16</a:t>
+              <a:t>11/6/16</a:t>
             </a:fld>
             <a:endParaRPr lang="en-US"/>
           </a:p>
@@ -922,7 +922,7 @@
           <a:p>
             <a:fld id="{78C97017-6FC3-485B-9764-EAC9E56C1D49}" type="datetimeFigureOut">
               <a:rPr lang="en-US" smtClean="0"/>
-              <a:t>10/27/16</a:t>
+              <a:t>11/6/16</a:t>
             </a:fld>
             <a:endParaRPr lang="en-US"/>
           </a:p>
@@ -1102,7 +1102,7 @@
           <a:p>
             <a:fld id="{78C97017-6FC3-485B-9764-EAC9E56C1D49}" type="datetimeFigureOut">
               <a:rPr lang="en-US" smtClean="0"/>
-              <a:t>10/27/16</a:t>
+              <a:t>11/6/16</a:t>
             </a:fld>
             <a:endParaRPr lang="en-US"/>
           </a:p>
@@ -1272,7 +1272,7 @@
           <a:p>
             <a:fld id="{78C97017-6FC3-485B-9764-EAC9E56C1D49}" type="datetimeFigureOut">
               <a:rPr lang="en-US" smtClean="0"/>
-              <a:t>10/27/16</a:t>
+              <a:t>11/6/16</a:t>
             </a:fld>
             <a:endParaRPr lang="en-US"/>
           </a:p>
@@ -1518,7 +1518,7 @@
           <a:p>
             <a:fld id="{78C97017-6FC3-485B-9764-EAC9E56C1D49}" type="datetimeFigureOut">
               <a:rPr lang="en-US" smtClean="0"/>
-              <a:t>10/27/16</a:t>
+              <a:t>11/6/16</a:t>
             </a:fld>
             <a:endParaRPr lang="en-US"/>
           </a:p>
@@ -1806,7 +1806,7 @@
           <a:p>
             <a:fld id="{78C97017-6FC3-485B-9764-EAC9E56C1D49}" type="datetimeFigureOut">
               <a:rPr lang="en-US" smtClean="0"/>
-              <a:t>10/27/16</a:t>
+              <a:t>11/6/16</a:t>
             </a:fld>
             <a:endParaRPr lang="en-US"/>
           </a:p>
@@ -2228,7 +2228,7 @@
           <a:p>
             <a:fld id="{78C97017-6FC3-485B-9764-EAC9E56C1D49}" type="datetimeFigureOut">
               <a:rPr lang="en-US" smtClean="0"/>
-              <a:t>10/27/16</a:t>
+              <a:t>11/6/16</a:t>
             </a:fld>
             <a:endParaRPr lang="en-US"/>
           </a:p>
@@ -2346,7 +2346,7 @@
           <a:p>
             <a:fld id="{78C97017-6FC3-485B-9764-EAC9E56C1D49}" type="datetimeFigureOut">
               <a:rPr lang="en-US" smtClean="0"/>
-              <a:t>10/27/16</a:t>
+              <a:t>11/6/16</a:t>
             </a:fld>
             <a:endParaRPr lang="en-US"/>
           </a:p>
@@ -2441,7 +2441,7 @@
           <a:p>
             <a:fld id="{78C97017-6FC3-485B-9764-EAC9E56C1D49}" type="datetimeFigureOut">
               <a:rPr lang="en-US" smtClean="0"/>
-              <a:t>10/27/16</a:t>
+              <a:t>11/6/16</a:t>
             </a:fld>
             <a:endParaRPr lang="en-US"/>
           </a:p>
@@ -2718,7 +2718,7 @@
           <a:p>
             <a:fld id="{78C97017-6FC3-485B-9764-EAC9E56C1D49}" type="datetimeFigureOut">
               <a:rPr lang="en-US" smtClean="0"/>
-              <a:t>10/27/16</a:t>
+              <a:t>11/6/16</a:t>
             </a:fld>
             <a:endParaRPr lang="en-US"/>
           </a:p>
@@ -2971,7 +2971,7 @@
           <a:p>
             <a:fld id="{78C97017-6FC3-485B-9764-EAC9E56C1D49}" type="datetimeFigureOut">
               <a:rPr lang="en-US" smtClean="0"/>
-              <a:t>10/27/16</a:t>
+              <a:t>11/6/16</a:t>
             </a:fld>
             <a:endParaRPr lang="en-US"/>
           </a:p>
@@ -3184,7 +3184,7 @@
           <a:p>
             <a:fld id="{78C97017-6FC3-485B-9764-EAC9E56C1D49}" type="datetimeFigureOut">
               <a:rPr lang="en-US" smtClean="0"/>
-              <a:t>10/27/16</a:t>
+              <a:t>11/6/16</a:t>
             </a:fld>
             <a:endParaRPr lang="en-US"/>
           </a:p>
@@ -3580,11 +3580,7 @@
             </a:r>
             <a:r>
               <a:rPr lang="en-US" dirty="0" smtClean="0"/>
-              <a:t> </a:t>
-            </a:r>
-            <a:r>
-              <a:rPr lang="en-US" dirty="0" smtClean="0"/>
-              <a:t>– Level 4</a:t>
+              <a:t> – Level 4</a:t>
             </a:r>
             <a:endParaRPr lang="en-US" dirty="0"/>
           </a:p>
@@ -8133,8 +8129,58 @@
                   </a:schemeClr>
                 </a:solidFill>
               </a:rPr>
-              <a:t>Task</a:t>
-            </a:r>
+              <a:t>TaskListPanel</a:t>
+            </a:r>
+            <a:endParaRPr lang="en-SG" sz="1050" b="1" dirty="0">
+              <a:solidFill>
+                <a:schemeClr val="accent3">
+                  <a:lumMod val="75000"/>
+                </a:schemeClr>
+              </a:solidFill>
+            </a:endParaRPr>
+          </a:p>
+        </p:txBody>
+      </p:sp>
+      <p:sp>
+        <p:nvSpPr>
+          <p:cNvPr id="37" name="Rectangle 11"/>
+          <p:cNvSpPr/>
+          <p:nvPr/>
+        </p:nvSpPr>
+        <p:spPr>
+          <a:xfrm>
+            <a:off x="3839323" y="4228801"/>
+            <a:ext cx="1040906" cy="236841"/>
+          </a:xfrm>
+          <a:prstGeom prst="rect">
+            <a:avLst/>
+          </a:prstGeom>
+          <a:ln w="19050">
+            <a:solidFill>
+              <a:schemeClr val="accent3"/>
+            </a:solidFill>
+          </a:ln>
+          <a:effectLst/>
+        </p:spPr>
+        <p:style>
+          <a:lnRef idx="1">
+            <a:schemeClr val="accent3"/>
+          </a:lnRef>
+          <a:fillRef idx="2">
+            <a:schemeClr val="accent3"/>
+          </a:fillRef>
+          <a:effectRef idx="1">
+            <a:schemeClr val="accent3"/>
+          </a:effectRef>
+          <a:fontRef idx="minor">
+            <a:schemeClr val="dk1"/>
+          </a:fontRef>
+        </p:style>
+        <p:txBody>
+          <a:bodyPr rtlCol="0" anchor="ctr"/>
+          <a:lstStyle/>
+          <a:p>
+            <a:pPr algn="ctr"/>
             <a:r>
               <a:rPr lang="en-US" sz="1050" b="1" dirty="0" err="1" smtClean="0">
                 <a:solidFill>
@@ -8143,77 +8189,7 @@
                   </a:schemeClr>
                 </a:solidFill>
               </a:rPr>
-              <a:t>ListPanel</a:t>
-            </a:r>
-            <a:endParaRPr lang="en-SG" sz="1050" b="1" dirty="0">
-              <a:solidFill>
-                <a:schemeClr val="accent3">
-                  <a:lumMod val="75000"/>
-                </a:schemeClr>
-              </a:solidFill>
-            </a:endParaRPr>
-          </a:p>
-        </p:txBody>
-      </p:sp>
-      <p:sp>
-        <p:nvSpPr>
-          <p:cNvPr id="37" name="Rectangle 11"/>
-          <p:cNvSpPr/>
-          <p:nvPr/>
-        </p:nvSpPr>
-        <p:spPr>
-          <a:xfrm>
-            <a:off x="3839323" y="4228801"/>
-            <a:ext cx="1040906" cy="236841"/>
-          </a:xfrm>
-          <a:prstGeom prst="rect">
-            <a:avLst/>
-          </a:prstGeom>
-          <a:ln w="19050">
-            <a:solidFill>
-              <a:schemeClr val="accent3"/>
-            </a:solidFill>
-          </a:ln>
-          <a:effectLst/>
-        </p:spPr>
-        <p:style>
-          <a:lnRef idx="1">
-            <a:schemeClr val="accent3"/>
-          </a:lnRef>
-          <a:fillRef idx="2">
-            <a:schemeClr val="accent3"/>
-          </a:fillRef>
-          <a:effectRef idx="1">
-            <a:schemeClr val="accent3"/>
-          </a:effectRef>
-          <a:fontRef idx="minor">
-            <a:schemeClr val="dk1"/>
-          </a:fontRef>
-        </p:style>
-        <p:txBody>
-          <a:bodyPr rtlCol="0" anchor="ctr"/>
-          <a:lstStyle/>
-          <a:p>
-            <a:pPr algn="ctr"/>
-            <a:r>
-              <a:rPr lang="en-US" sz="1050" b="1" dirty="0" err="1" smtClean="0">
-                <a:solidFill>
-                  <a:schemeClr val="accent3">
-                    <a:lumMod val="75000"/>
-                  </a:schemeClr>
-                </a:solidFill>
-              </a:rPr>
-              <a:t>Task</a:t>
-            </a:r>
-            <a:r>
-              <a:rPr lang="en-US" sz="1050" b="1" dirty="0" err="1" smtClean="0">
-                <a:solidFill>
-                  <a:schemeClr val="accent3">
-                    <a:lumMod val="75000"/>
-                  </a:schemeClr>
-                </a:solidFill>
-              </a:rPr>
-              <a:t>Card</a:t>
+              <a:t>TaskCard</a:t>
             </a:r>
             <a:endParaRPr lang="en-SG" sz="1050" b="1" dirty="0">
               <a:solidFill>
@@ -11908,15 +11884,7 @@
                   <a:srgbClr val="0070C0"/>
                 </a:solidFill>
               </a:rPr>
-              <a:t>Block</a:t>
-            </a:r>
-            <a:r>
-              <a:rPr lang="en-US" sz="1050" b="1" dirty="0" err="1" smtClean="0">
-                <a:solidFill>
-                  <a:srgbClr val="0070C0"/>
-                </a:solidFill>
-              </a:rPr>
-              <a:t>Command</a:t>
+              <a:t>BlockCommand</a:t>
             </a:r>
             <a:endParaRPr lang="en-SG" sz="1050" b="1" dirty="0">
               <a:solidFill>
@@ -11935,7 +11903,7 @@
         <p:spPr>
           <a:xfrm flipH="1">
             <a:off x="7391400" y="3048000"/>
-            <a:ext cx="1143000" cy="346760"/>
+            <a:ext cx="1066800" cy="346760"/>
           </a:xfrm>
           <a:prstGeom prst="rect">
             <a:avLst/>
@@ -12028,15 +11996,7 @@
                   <a:srgbClr val="0070C0"/>
                 </a:solidFill>
               </a:rPr>
-              <a:t>Undo</a:t>
-            </a:r>
-            <a:r>
-              <a:rPr lang="en-US" sz="1050" b="1" dirty="0" err="1" smtClean="0">
-                <a:solidFill>
-                  <a:srgbClr val="0070C0"/>
-                </a:solidFill>
-              </a:rPr>
-              <a:t>Command</a:t>
+              <a:t>UndoCommand</a:t>
             </a:r>
             <a:endParaRPr lang="en-SG" sz="1050" b="1" dirty="0">
               <a:solidFill>
@@ -12092,15 +12052,63 @@
                   <a:srgbClr val="0070C0"/>
                 </a:solidFill>
               </a:rPr>
-              <a:t>Redo</a:t>
-            </a:r>
+              <a:t>RedoCommand</a:t>
+            </a:r>
+            <a:endParaRPr lang="en-SG" sz="1050" b="1" dirty="0">
+              <a:solidFill>
+                <a:srgbClr val="0070C0"/>
+              </a:solidFill>
+            </a:endParaRPr>
+          </a:p>
+        </p:txBody>
+      </p:sp>
+      <p:sp>
+        <p:nvSpPr>
+          <p:cNvPr id="50" name="Rectangle 49"/>
+          <p:cNvSpPr/>
+          <p:nvPr/>
+        </p:nvSpPr>
+        <p:spPr>
+          <a:xfrm flipH="1">
+            <a:off x="7391400" y="4572000"/>
+            <a:ext cx="1093635" cy="346760"/>
+          </a:xfrm>
+          <a:prstGeom prst="rect">
+            <a:avLst/>
+          </a:prstGeom>
+          <a:ln w="19050">
+            <a:solidFill>
+              <a:srgbClr val="0070C0"/>
+            </a:solidFill>
+          </a:ln>
+          <a:effectLst/>
+        </p:spPr>
+        <p:style>
+          <a:lnRef idx="1">
+            <a:schemeClr val="accent1"/>
+          </a:lnRef>
+          <a:fillRef idx="2">
+            <a:schemeClr val="accent1"/>
+          </a:fillRef>
+          <a:effectRef idx="1">
+            <a:schemeClr val="accent1"/>
+          </a:effectRef>
+          <a:fontRef idx="minor">
+            <a:schemeClr val="dk1"/>
+          </a:fontRef>
+        </p:style>
+        <p:txBody>
+          <a:bodyPr rtlCol="0" anchor="ctr"/>
+          <a:lstStyle/>
+          <a:p>
+            <a:pPr algn="ctr"/>
             <a:r>
               <a:rPr lang="en-US" sz="1050" b="1" smtClean="0">
                 <a:solidFill>
                   <a:srgbClr val="0070C0"/>
                 </a:solidFill>
               </a:rPr>
-              <a:t>Command</a:t>
+              <a:t>HelpCommand</a:t>
             </a:r>
             <a:endParaRPr lang="en-SG" sz="1050" b="1" dirty="0">
               <a:solidFill>
@@ -12112,13 +12120,13 @@
       </p:sp>
       <p:sp>
         <p:nvSpPr>
-          <p:cNvPr id="50" name="Rectangle 49"/>
+          <p:cNvPr id="51" name="Rectangle 50"/>
           <p:cNvSpPr/>
           <p:nvPr/>
         </p:nvSpPr>
         <p:spPr>
           <a:xfrm flipH="1">
-            <a:off x="7391400" y="4572000"/>
+            <a:off x="7391400" y="3429000"/>
             <a:ext cx="1093635" cy="346760"/>
           </a:xfrm>
           <a:prstGeom prst="rect">
@@ -12156,15 +12164,63 @@
                   <a:srgbClr val="0070C0"/>
                 </a:solidFill>
               </a:rPr>
-              <a:t>Help</a:t>
-            </a:r>
+              <a:t>ClearCommand</a:t>
+            </a:r>
+            <a:endParaRPr lang="en-SG" sz="1050" b="1" dirty="0">
+              <a:solidFill>
+                <a:srgbClr val="0070C0"/>
+              </a:solidFill>
+            </a:endParaRPr>
+          </a:p>
+        </p:txBody>
+      </p:sp>
+      <p:sp>
+        <p:nvSpPr>
+          <p:cNvPr id="53" name="Rectangle 52"/>
+          <p:cNvSpPr/>
+          <p:nvPr/>
+        </p:nvSpPr>
+        <p:spPr>
+          <a:xfrm flipH="1">
+            <a:off x="6172200" y="4267200"/>
+            <a:ext cx="1093635" cy="346760"/>
+          </a:xfrm>
+          <a:prstGeom prst="rect">
+            <a:avLst/>
+          </a:prstGeom>
+          <a:ln w="19050">
+            <a:solidFill>
+              <a:srgbClr val="0070C0"/>
+            </a:solidFill>
+          </a:ln>
+          <a:effectLst/>
+        </p:spPr>
+        <p:style>
+          <a:lnRef idx="1">
+            <a:schemeClr val="accent1"/>
+          </a:lnRef>
+          <a:fillRef idx="2">
+            <a:schemeClr val="accent1"/>
+          </a:fillRef>
+          <a:effectRef idx="1">
+            <a:schemeClr val="accent1"/>
+          </a:effectRef>
+          <a:fontRef idx="minor">
+            <a:schemeClr val="dk1"/>
+          </a:fontRef>
+        </p:style>
+        <p:txBody>
+          <a:bodyPr rtlCol="0" anchor="ctr"/>
+          <a:lstStyle/>
+          <a:p>
+            <a:pPr algn="ctr"/>
             <a:r>
               <a:rPr lang="en-US" sz="1050" b="1" smtClean="0">
                 <a:solidFill>
                   <a:srgbClr val="0070C0"/>
                 </a:solidFill>
               </a:rPr>
-              <a:t>Command</a:t>
+              <a:t>SelectCommand</a:t>
             </a:r>
             <a:endParaRPr lang="en-SG" sz="1050" b="1" dirty="0">
               <a:solidFill>
@@ -12176,134 +12232,6 @@
       </p:sp>
       <p:sp>
         <p:nvSpPr>
-          <p:cNvPr id="51" name="Rectangle 50"/>
-          <p:cNvSpPr/>
-          <p:nvPr/>
-        </p:nvSpPr>
-        <p:spPr>
-          <a:xfrm flipH="1">
-            <a:off x="7391400" y="3429000"/>
-            <a:ext cx="1093635" cy="346760"/>
-          </a:xfrm>
-          <a:prstGeom prst="rect">
-            <a:avLst/>
-          </a:prstGeom>
-          <a:ln w="19050">
-            <a:solidFill>
-              <a:srgbClr val="0070C0"/>
-            </a:solidFill>
-          </a:ln>
-          <a:effectLst/>
-        </p:spPr>
-        <p:style>
-          <a:lnRef idx="1">
-            <a:schemeClr val="accent1"/>
-          </a:lnRef>
-          <a:fillRef idx="2">
-            <a:schemeClr val="accent1"/>
-          </a:fillRef>
-          <a:effectRef idx="1">
-            <a:schemeClr val="accent1"/>
-          </a:effectRef>
-          <a:fontRef idx="minor">
-            <a:schemeClr val="dk1"/>
-          </a:fontRef>
-        </p:style>
-        <p:txBody>
-          <a:bodyPr rtlCol="0" anchor="ctr"/>
-          <a:lstStyle/>
-          <a:p>
-            <a:pPr algn="ctr"/>
-            <a:r>
-              <a:rPr lang="en-US" sz="1050" b="1" smtClean="0">
-                <a:solidFill>
-                  <a:srgbClr val="0070C0"/>
-                </a:solidFill>
-              </a:rPr>
-              <a:t>Clear</a:t>
-            </a:r>
-            <a:r>
-              <a:rPr lang="en-US" sz="1050" b="1" smtClean="0">
-                <a:solidFill>
-                  <a:srgbClr val="0070C0"/>
-                </a:solidFill>
-              </a:rPr>
-              <a:t>Command</a:t>
-            </a:r>
-            <a:endParaRPr lang="en-SG" sz="1050" b="1" dirty="0">
-              <a:solidFill>
-                <a:srgbClr val="0070C0"/>
-              </a:solidFill>
-            </a:endParaRPr>
-          </a:p>
-        </p:txBody>
-      </p:sp>
-      <p:sp>
-        <p:nvSpPr>
-          <p:cNvPr id="53" name="Rectangle 52"/>
-          <p:cNvSpPr/>
-          <p:nvPr/>
-        </p:nvSpPr>
-        <p:spPr>
-          <a:xfrm flipH="1">
-            <a:off x="6172200" y="4267200"/>
-            <a:ext cx="1093635" cy="346760"/>
-          </a:xfrm>
-          <a:prstGeom prst="rect">
-            <a:avLst/>
-          </a:prstGeom>
-          <a:ln w="19050">
-            <a:solidFill>
-              <a:srgbClr val="0070C0"/>
-            </a:solidFill>
-          </a:ln>
-          <a:effectLst/>
-        </p:spPr>
-        <p:style>
-          <a:lnRef idx="1">
-            <a:schemeClr val="accent1"/>
-          </a:lnRef>
-          <a:fillRef idx="2">
-            <a:schemeClr val="accent1"/>
-          </a:fillRef>
-          <a:effectRef idx="1">
-            <a:schemeClr val="accent1"/>
-          </a:effectRef>
-          <a:fontRef idx="minor">
-            <a:schemeClr val="dk1"/>
-          </a:fontRef>
-        </p:style>
-        <p:txBody>
-          <a:bodyPr rtlCol="0" anchor="ctr"/>
-          <a:lstStyle/>
-          <a:p>
-            <a:pPr algn="ctr"/>
-            <a:r>
-              <a:rPr lang="en-US" sz="1050" b="1" smtClean="0">
-                <a:solidFill>
-                  <a:srgbClr val="0070C0"/>
-                </a:solidFill>
-              </a:rPr>
-              <a:t>Select</a:t>
-            </a:r>
-            <a:r>
-              <a:rPr lang="en-US" sz="1050" b="1" smtClean="0">
-                <a:solidFill>
-                  <a:srgbClr val="0070C0"/>
-                </a:solidFill>
-              </a:rPr>
-              <a:t>Command</a:t>
-            </a:r>
-            <a:endParaRPr lang="en-SG" sz="1050" b="1" dirty="0">
-              <a:solidFill>
-                <a:srgbClr val="0070C0"/>
-              </a:solidFill>
-            </a:endParaRPr>
-          </a:p>
-        </p:txBody>
-      </p:sp>
-      <p:sp>
-        <p:nvSpPr>
           <p:cNvPr id="54" name="Rectangle 53"/>
           <p:cNvSpPr/>
           <p:nvPr/>
@@ -12348,15 +12276,7 @@
                   <a:srgbClr val="0070C0"/>
                 </a:solidFill>
               </a:rPr>
-              <a:t>Storage</a:t>
-            </a:r>
-            <a:r>
-              <a:rPr lang="en-US" sz="1000" b="1" dirty="0" err="1" smtClean="0">
-                <a:solidFill>
-                  <a:srgbClr val="0070C0"/>
-                </a:solidFill>
-              </a:rPr>
-              <a:t>Command</a:t>
+              <a:t>StorageCommand</a:t>
             </a:r>
             <a:endParaRPr lang="en-SG" sz="1000" b="1" dirty="0">
               <a:solidFill>
@@ -12468,15 +12388,7 @@
                   <a:srgbClr val="0070C0"/>
                 </a:solidFill>
               </a:rPr>
-              <a:t>Delete</a:t>
-            </a:r>
-            <a:r>
-              <a:rPr lang="en-US" sz="1050" b="1" smtClean="0">
-                <a:solidFill>
-                  <a:srgbClr val="0070C0"/>
-                </a:solidFill>
-              </a:rPr>
-              <a:t>Command</a:t>
+              <a:t>DeleteCommand</a:t>
             </a:r>
             <a:endParaRPr lang="en-SG" sz="1050" b="1" dirty="0">
               <a:solidFill>
@@ -12681,6 +12593,198 @@
           </a:fontRef>
         </p:style>
       </p:cxnSp>
+      <p:sp>
+        <p:nvSpPr>
+          <p:cNvPr id="52" name="Rectangle 51"/>
+          <p:cNvSpPr/>
+          <p:nvPr/>
+        </p:nvSpPr>
+        <p:spPr>
+          <a:xfrm flipH="1">
+            <a:off x="7391400" y="4953000"/>
+            <a:ext cx="1093635" cy="346760"/>
+          </a:xfrm>
+          <a:prstGeom prst="rect">
+            <a:avLst/>
+          </a:prstGeom>
+          <a:ln w="19050">
+            <a:solidFill>
+              <a:srgbClr val="0070C0"/>
+            </a:solidFill>
+          </a:ln>
+          <a:effectLst/>
+        </p:spPr>
+        <p:style>
+          <a:lnRef idx="1">
+            <a:schemeClr val="accent1"/>
+          </a:lnRef>
+          <a:fillRef idx="2">
+            <a:schemeClr val="accent1"/>
+          </a:fillRef>
+          <a:effectRef idx="1">
+            <a:schemeClr val="accent1"/>
+          </a:effectRef>
+          <a:fontRef idx="minor">
+            <a:schemeClr val="dk1"/>
+          </a:fontRef>
+        </p:style>
+        <p:txBody>
+          <a:bodyPr rtlCol="0" anchor="ctr"/>
+          <a:lstStyle/>
+          <a:p>
+            <a:pPr algn="ctr"/>
+            <a:r>
+              <a:rPr lang="en-US" sz="1050" b="1" smtClean="0">
+                <a:solidFill>
+                  <a:srgbClr val="0070C0"/>
+                </a:solidFill>
+              </a:rPr>
+              <a:t>UpDownCommand</a:t>
+            </a:r>
+            <a:endParaRPr lang="en-SG" sz="1050" b="1" dirty="0">
+              <a:solidFill>
+                <a:srgbClr val="0070C0"/>
+              </a:solidFill>
+            </a:endParaRPr>
+          </a:p>
+        </p:txBody>
+      </p:sp>
+      <p:sp>
+        <p:nvSpPr>
+          <p:cNvPr id="57" name="Rectangle 62"/>
+          <p:cNvSpPr/>
+          <p:nvPr/>
+        </p:nvSpPr>
+        <p:spPr>
+          <a:xfrm>
+            <a:off x="3276600" y="4267200"/>
+            <a:ext cx="836678" cy="346760"/>
+          </a:xfrm>
+          <a:prstGeom prst="rect">
+            <a:avLst/>
+          </a:prstGeom>
+          <a:solidFill>
+            <a:srgbClr val="0070C0"/>
+          </a:solidFill>
+          <a:ln w="19050">
+            <a:solidFill>
+              <a:srgbClr val="0070C0"/>
+            </a:solidFill>
+          </a:ln>
+          <a:effectLst/>
+        </p:spPr>
+        <p:style>
+          <a:lnRef idx="1">
+            <a:schemeClr val="accent2"/>
+          </a:lnRef>
+          <a:fillRef idx="2">
+            <a:schemeClr val="accent2"/>
+          </a:fillRef>
+          <a:effectRef idx="1">
+            <a:schemeClr val="accent2"/>
+          </a:effectRef>
+          <a:fontRef idx="minor">
+            <a:schemeClr val="dk1"/>
+          </a:fontRef>
+        </p:style>
+        <p:txBody>
+          <a:bodyPr rtlCol="0" anchor="ctr"/>
+          <a:lstStyle/>
+          <a:p>
+            <a:pPr algn="ctr"/>
+            <a:r>
+              <a:rPr lang="en-US" sz="1050" smtClean="0">
+                <a:solidFill>
+                  <a:schemeClr val="bg1"/>
+                </a:solidFill>
+              </a:rPr>
+              <a:t>Blocker</a:t>
+            </a:r>
+            <a:endParaRPr lang="en-SG" sz="1050" dirty="0">
+              <a:solidFill>
+                <a:schemeClr val="bg1"/>
+              </a:solidFill>
+            </a:endParaRPr>
+          </a:p>
+        </p:txBody>
+      </p:sp>
+      <p:cxnSp>
+        <p:nvCxnSpPr>
+          <p:cNvPr id="58" name="Straight Arrow Connector 57"/>
+          <p:cNvCxnSpPr/>
+          <p:nvPr/>
+        </p:nvCxnSpPr>
+        <p:spPr>
+          <a:xfrm>
+            <a:off x="3657600" y="3962400"/>
+            <a:ext cx="0" cy="304800"/>
+          </a:xfrm>
+          <a:prstGeom prst="straightConnector1">
+            <a:avLst/>
+          </a:prstGeom>
+          <a:ln w="19050">
+            <a:solidFill>
+              <a:srgbClr val="0070C0"/>
+            </a:solidFill>
+            <a:headEnd type="none" w="med" len="med"/>
+            <a:tailEnd type="arrow" w="med" len="med"/>
+          </a:ln>
+          <a:effectLst/>
+        </p:spPr>
+        <p:style>
+          <a:lnRef idx="1">
+            <a:schemeClr val="accent2"/>
+          </a:lnRef>
+          <a:fillRef idx="2">
+            <a:schemeClr val="accent2"/>
+          </a:fillRef>
+          <a:effectRef idx="1">
+            <a:schemeClr val="accent2"/>
+          </a:effectRef>
+          <a:fontRef idx="minor">
+            <a:schemeClr val="dk1"/>
+          </a:fontRef>
+        </p:style>
+      </p:cxnSp>
+      <p:sp>
+        <p:nvSpPr>
+          <p:cNvPr id="59" name="TextBox 58"/>
+          <p:cNvSpPr txBox="1"/>
+          <p:nvPr/>
+        </p:nvSpPr>
+        <p:spPr>
+          <a:xfrm>
+            <a:off x="3733800" y="4114800"/>
+            <a:ext cx="76200" cy="230832"/>
+          </a:xfrm>
+          <a:prstGeom prst="rect">
+            <a:avLst/>
+          </a:prstGeom>
+          <a:noFill/>
+        </p:spPr>
+        <p:txBody>
+          <a:bodyPr wrap="square" lIns="0" tIns="0" rIns="0" bIns="0" rtlCol="0">
+            <a:noAutofit/>
+          </a:bodyPr>
+          <a:lstStyle/>
+          <a:p>
+            <a:pPr algn="r"/>
+            <a:r>
+              <a:rPr lang="en-US" sz="1100" dirty="0" smtClean="0">
+                <a:solidFill>
+                  <a:srgbClr val="0070C0"/>
+                </a:solidFill>
+              </a:rPr>
+              <a:t>1</a:t>
+            </a:r>
+            <a:endParaRPr lang="en-SG" sz="1100" dirty="0">
+              <a:solidFill>
+                <a:srgbClr val="0070C0"/>
+              </a:solidFill>
+            </a:endParaRPr>
+          </a:p>
+        </p:txBody>
+      </p:sp>
     </p:spTree>
     <p:extLst>
       <p:ext uri="{BB962C8B-B14F-4D97-AF65-F5344CB8AC3E}">
